--- a/présentation powerpoint/projet bigscreen.pptx
+++ b/présentation powerpoint/projet bigscreen.pptx
@@ -263,8 +263,22 @@
     </a:lvl9pPr>
   </p:defaultTextStyle>
   <p:extLst>
+    <p:ext uri="{EFAFB233-063F-42B5-8137-9DF3F51BA10A}">
+      <p15:sldGuideLst xmlns:p15="http://schemas.microsoft.com/office/powerpoint/2012/main">
+        <p15:guide id="1" orient="horz" pos="2160">
+          <p15:clr>
+            <a:srgbClr val="A4A3A4"/>
+          </p15:clr>
+        </p15:guide>
+        <p15:guide id="2" pos="3840">
+          <p15:clr>
+            <a:srgbClr val="A4A3A4"/>
+          </p15:clr>
+        </p15:guide>
+      </p15:sldGuideLst>
+    </p:ext>
     <p:ext uri="GoogleSlidesCustomDataVersion2">
-      <go:slidesCustomData xmlns:go="http://customooxmlschemas.google.com/" xmlns:ahyp="http://schemas.microsoft.com/office/drawing/2018/hyperlinkcolor" xmlns:p15="http://schemas.microsoft.com/office/powerpoint/2012/main" xmlns:p14="http://schemas.microsoft.com/office/powerpoint/2010/main" xmlns:com="http://schemas.openxmlformats.org/drawingml/2006/compatibility" xmlns:pvml="urn:schemas-microsoft-com:office:powerpoint" xmlns:v="urn:schemas-microsoft-com:vml" xmlns:o="urn:schemas-microsoft-com:office:office" xmlns:dgm="http://schemas.openxmlformats.org/drawingml/2006/diagram" xmlns:c="http://schemas.openxmlformats.org/drawingml/2006/chart" xmlns:mv="urn:schemas-microsoft-com:mac:vml" xmlns:mc="http://schemas.openxmlformats.org/markup-compatibility/2006" xmlns="" r:id="rId25" roundtripDataSignature="AMtx7mi95cDEmF4xrZ0xmR55kUsg0Ecojw=="/>
+      <go:slidesCustomData xmlns="" xmlns:mc="http://schemas.openxmlformats.org/markup-compatibility/2006" xmlns:mv="urn:schemas-microsoft-com:mac:vml" xmlns:c="http://schemas.openxmlformats.org/drawingml/2006/chart" xmlns:dgm="http://schemas.openxmlformats.org/drawingml/2006/diagram" xmlns:o="urn:schemas-microsoft-com:office:office" xmlns:v="urn:schemas-microsoft-com:vml" xmlns:pvml="urn:schemas-microsoft-com:office:powerpoint" xmlns:com="http://schemas.openxmlformats.org/drawingml/2006/compatibility" xmlns:p14="http://schemas.microsoft.com/office/powerpoint/2010/main" xmlns:p15="http://schemas.microsoft.com/office/powerpoint/2012/main" xmlns:ahyp="http://schemas.microsoft.com/office/drawing/2018/hyperlinkcolor" xmlns:go="http://customooxmlschemas.google.com/" r:id="rId25" roundtripDataSignature="AMtx7mi95cDEmF4xrZ0xmR55kUsg0Ecojw=="/>
     </p:ext>
   </p:extLst>
 </p:presentation>
@@ -13556,7 +13570,7 @@
               <a:buSzPct val="100000"/>
             </a:pPr>
             <a:r>
-              <a:rPr lang="fr-FR" sz="12800" b="1" dirty="0" smtClean="0">
+              <a:rPr lang="fr-FR" sz="12800" b="1" dirty="0">
                 <a:solidFill>
                   <a:schemeClr val="bg1"/>
                 </a:solidFill>
@@ -13569,18 +13583,13 @@
               <a:buSzPct val="100000"/>
             </a:pPr>
             <a:r>
-              <a:rPr lang="fr-FR" sz="4000" b="1" dirty="0" smtClean="0">
+              <a:rPr lang="fr-FR" sz="4000" b="1" dirty="0">
                 <a:solidFill>
                   <a:schemeClr val="bg1"/>
                 </a:solidFill>
               </a:rPr>
               <a:t>Plateforme de sondage en ligne </a:t>
             </a:r>
-            <a:endParaRPr lang="fr-FR" sz="4000" b="1" dirty="0">
-              <a:solidFill>
-                <a:schemeClr val="bg1"/>
-              </a:solidFill>
-            </a:endParaRPr>
           </a:p>
         </p:txBody>
       </p:sp>
@@ -13605,7 +13614,7 @@
         </p:spPr>
         <p:txBody>
           <a:bodyPr spcFirstLastPara="1" wrap="square" lIns="91425" tIns="45700" rIns="91425" bIns="45700" anchor="t" anchorCtr="0">
-            <a:normAutofit fontScale="92500"/>
+            <a:normAutofit/>
           </a:bodyPr>
           <a:lstStyle/>
           <a:p>
@@ -13660,10 +13669,10 @@
                 <a:cs typeface="Calibri"/>
                 <a:sym typeface="Calibri"/>
               </a:rPr>
-              <a:t> : </a:t>
+              <a:t> : James martial </a:t>
             </a:r>
             <a:r>
-              <a:rPr lang="fr-FR" sz="2000" dirty="0">
+              <a:rPr lang="fr-FR" sz="2000" b="0" i="0" u="none" strike="noStrike" cap="none" dirty="0" err="1">
                 <a:solidFill>
                   <a:schemeClr val="bg1"/>
                 </a:solidFill>
@@ -13672,7 +13681,19 @@
                 <a:cs typeface="Calibri"/>
                 <a:sym typeface="Calibri"/>
               </a:rPr>
-              <a:t>Thierry Gravelaine SONGMO TEMGOUA</a:t>
+              <a:t>nyonse</a:t>
+            </a:r>
+            <a:r>
+              <a:rPr lang="fr-FR" sz="2000" b="0" i="0" u="none" strike="noStrike" cap="none" dirty="0">
+                <a:solidFill>
+                  <a:schemeClr val="bg1"/>
+                </a:solidFill>
+                <a:latin typeface="Calibri"/>
+                <a:ea typeface="Calibri"/>
+                <a:cs typeface="Calibri"/>
+                <a:sym typeface="Calibri"/>
+              </a:rPr>
+              <a:t> </a:t>
             </a:r>
             <a:endParaRPr dirty="0">
               <a:solidFill>
@@ -13725,7 +13746,7 @@
               <a:buNone/>
             </a:pPr>
             <a:r>
-              <a:rPr lang="fr-FR" sz="2000" u="sng" dirty="0" smtClean="0">
+              <a:rPr lang="fr-FR" sz="2000" u="sng" dirty="0">
                 <a:solidFill>
                   <a:schemeClr val="bg1"/>
                 </a:solidFill>
@@ -13737,7 +13758,7 @@
               <a:t>Année académique</a:t>
             </a:r>
             <a:r>
-              <a:rPr lang="fr-FR" sz="2000" dirty="0" smtClean="0">
+              <a:rPr lang="fr-FR" sz="2000" dirty="0">
                 <a:solidFill>
                   <a:schemeClr val="bg1"/>
                 </a:solidFill>
@@ -13766,13 +13787,6 @@
   <p:clrMapOvr>
     <a:masterClrMapping/>
   </p:clrMapOvr>
-  <p:timing>
-    <p:tnLst>
-      <p:par>
-        <p:cTn id="1" dur="indefinite" restart="never" nodeType="tmRoot"/>
-      </p:par>
-    </p:tnLst>
-  </p:timing>
 </p:sld>
 </file>
 
@@ -13926,7 +13940,7 @@
               <a:buNone/>
             </a:pPr>
             <a:r>
-              <a:rPr lang="fr-FR" sz="4800" b="1" u="sng" dirty="0" smtClean="0"/>
+              <a:rPr lang="fr-FR" sz="4800" b="1" u="sng" dirty="0"/>
               <a:t>Diagramme de classe</a:t>
             </a:r>
             <a:endParaRPr u="sng" dirty="0"/>
@@ -14004,7 +14018,7 @@
           <a:lstStyle/>
           <a:p>
             <a:r>
-              <a:rPr lang="fr-FR" sz="1800" dirty="0" smtClean="0">
+              <a:rPr lang="fr-FR" sz="1800" dirty="0">
                 <a:solidFill>
                   <a:schemeClr val="bg1"/>
                 </a:solidFill>
@@ -14029,13 +14043,6 @@
   <p:clrMapOvr>
     <a:masterClrMapping/>
   </p:clrMapOvr>
-  <p:timing>
-    <p:tnLst>
-      <p:par>
-        <p:cTn id="1" dur="indefinite" restart="never" nodeType="tmRoot"/>
-      </p:par>
-    </p:tnLst>
-  </p:timing>
 </p:sld>
 </file>
 
@@ -14173,7 +14180,7 @@
           <a:lstStyle/>
           <a:p>
             <a:r>
-              <a:rPr lang="fr-FR" sz="1800" dirty="0" smtClean="0">
+              <a:rPr lang="fr-FR" sz="1800" dirty="0">
                 <a:solidFill>
                   <a:schemeClr val="bg1"/>
                 </a:solidFill>
@@ -14253,13 +14260,6 @@
   <p:clrMapOvr>
     <a:masterClrMapping/>
   </p:clrMapOvr>
-  <p:timing>
-    <p:tnLst>
-      <p:par>
-        <p:cTn id="1" dur="indefinite" restart="never" nodeType="tmRoot"/>
-      </p:par>
-    </p:tnLst>
-  </p:timing>
 </p:sld>
 </file>
 
@@ -14397,7 +14397,7 @@
           <a:lstStyle/>
           <a:p>
             <a:r>
-              <a:rPr lang="fr-FR" sz="1800" dirty="0" smtClean="0">
+              <a:rPr lang="fr-FR" sz="1800" dirty="0">
                 <a:solidFill>
                   <a:schemeClr val="bg1"/>
                 </a:solidFill>
@@ -14477,13 +14477,6 @@
   <p:clrMapOvr>
     <a:masterClrMapping/>
   </p:clrMapOvr>
-  <p:timing>
-    <p:tnLst>
-      <p:par>
-        <p:cTn id="1" dur="indefinite" restart="never" nodeType="tmRoot"/>
-      </p:par>
-    </p:tnLst>
-  </p:timing>
 </p:sld>
 </file>
 
@@ -14621,7 +14614,7 @@
           <a:lstStyle/>
           <a:p>
             <a:r>
-              <a:rPr lang="fr-FR" sz="1800" dirty="0" smtClean="0">
+              <a:rPr lang="fr-FR" sz="1800" dirty="0">
                 <a:solidFill>
                   <a:schemeClr val="bg1"/>
                 </a:solidFill>
@@ -14701,13 +14694,6 @@
   <p:clrMapOvr>
     <a:masterClrMapping/>
   </p:clrMapOvr>
-  <p:timing>
-    <p:tnLst>
-      <p:par>
-        <p:cTn id="1" dur="indefinite" restart="never" nodeType="tmRoot"/>
-      </p:par>
-    </p:tnLst>
-  </p:timing>
 </p:sld>
 </file>
 
@@ -14845,7 +14831,7 @@
           <a:lstStyle/>
           <a:p>
             <a:r>
-              <a:rPr lang="fr-FR" sz="1800" dirty="0" smtClean="0">
+              <a:rPr lang="fr-FR" sz="1800" dirty="0">
                 <a:solidFill>
                   <a:schemeClr val="bg1"/>
                 </a:solidFill>
@@ -14895,7 +14881,7 @@
               <a:buNone/>
             </a:pPr>
             <a:r>
-              <a:rPr lang="fr-FR" sz="4800" b="1" dirty="0" smtClean="0">
+              <a:rPr lang="fr-FR" sz="4800" b="1" dirty="0">
                 <a:solidFill>
                   <a:schemeClr val="dk1"/>
                 </a:solidFill>
@@ -14907,7 +14893,7 @@
               <a:t>Technologies </a:t>
             </a:r>
             <a:r>
-              <a:rPr lang="fr-FR" sz="4800" b="1" dirty="0" err="1" smtClean="0">
+              <a:rPr lang="fr-FR" sz="4800" b="1" dirty="0" err="1">
                 <a:solidFill>
                   <a:schemeClr val="dk1"/>
                 </a:solidFill>
@@ -14919,7 +14905,7 @@
               <a:t>Frontend</a:t>
             </a:r>
             <a:r>
-              <a:rPr lang="fr-FR" sz="4800" b="1" dirty="0" smtClean="0">
+              <a:rPr lang="fr-FR" sz="4800" b="1" dirty="0">
                 <a:solidFill>
                   <a:schemeClr val="dk1"/>
                 </a:solidFill>
@@ -15608,7 +15594,7 @@
               <a:buNone/>
             </a:pPr>
             <a:r>
-              <a:rPr lang="fr-FR" sz="4800" b="1" dirty="0" smtClean="0">
+              <a:rPr lang="fr-FR" sz="4800" b="1" dirty="0">
                 <a:solidFill>
                   <a:schemeClr val="dk1"/>
                 </a:solidFill>
@@ -15620,7 +15606,7 @@
               <a:t>Technologies </a:t>
             </a:r>
             <a:r>
-              <a:rPr lang="fr-FR" sz="4800" b="1" dirty="0" err="1" smtClean="0">
+              <a:rPr lang="fr-FR" sz="4800" b="1" dirty="0" err="1">
                 <a:solidFill>
                   <a:schemeClr val="dk1"/>
                 </a:solidFill>
@@ -15632,7 +15618,7 @@
               <a:t>Backend</a:t>
             </a:r>
             <a:r>
-              <a:rPr lang="fr-FR" sz="4800" b="1" dirty="0" smtClean="0">
+              <a:rPr lang="fr-FR" sz="4800" b="1" dirty="0">
                 <a:solidFill>
                   <a:schemeClr val="dk1"/>
                 </a:solidFill>
@@ -15907,7 +15893,7 @@
           <a:lstStyle/>
           <a:p>
             <a:r>
-              <a:rPr lang="fr-FR" sz="1800" dirty="0" smtClean="0">
+              <a:rPr lang="fr-FR" sz="1800" dirty="0">
                 <a:solidFill>
                   <a:schemeClr val="bg1"/>
                 </a:solidFill>
@@ -15957,7 +15943,7 @@
               <a:buNone/>
             </a:pPr>
             <a:r>
-              <a:rPr lang="fr-FR" sz="4800" b="1" dirty="0" smtClean="0">
+              <a:rPr lang="fr-FR" sz="4800" b="1" dirty="0">
                 <a:solidFill>
                   <a:schemeClr val="dk1"/>
                 </a:solidFill>
@@ -16184,7 +16170,7 @@
               <a:buNone/>
             </a:pPr>
             <a:r>
-              <a:rPr lang="fr-FR" sz="4800" b="1" dirty="0" err="1" smtClean="0">
+              <a:rPr lang="fr-FR" sz="4800" b="1" dirty="0" err="1">
                 <a:solidFill>
                   <a:schemeClr val="dk1"/>
                 </a:solidFill>
@@ -16196,7 +16182,7 @@
               <a:t>Versioning</a:t>
             </a:r>
             <a:r>
-              <a:rPr lang="fr-FR" sz="4800" b="1" dirty="0" smtClean="0">
+              <a:rPr lang="fr-FR" sz="4800" b="1" dirty="0">
                 <a:solidFill>
                   <a:schemeClr val="dk1"/>
                 </a:solidFill>
@@ -16575,7 +16561,7 @@
           <a:lstStyle/>
           <a:p>
             <a:r>
-              <a:rPr lang="fr-FR" sz="1800" dirty="0" smtClean="0">
+              <a:rPr lang="fr-FR" sz="1800" dirty="0">
                 <a:solidFill>
                   <a:schemeClr val="bg1"/>
                 </a:solidFill>
@@ -16849,7 +16835,7 @@
           <a:p>
             <a:pPr algn="ctr"/>
             <a:r>
-              <a:rPr lang="fr-FR" sz="8000" b="1" dirty="0" smtClean="0">
+              <a:rPr lang="fr-FR" sz="8000" b="1" dirty="0">
                 <a:solidFill>
                   <a:schemeClr val="bg1"/>
                 </a:solidFill>
@@ -16875,13 +16861,6 @@
   <p:clrMapOvr>
     <a:masterClrMapping/>
   </p:clrMapOvr>
-  <p:timing>
-    <p:tnLst>
-      <p:par>
-        <p:cTn id="1" dur="indefinite" restart="never" nodeType="tmRoot"/>
-      </p:par>
-    </p:tnLst>
-  </p:timing>
 </p:sld>
 </file>
 
@@ -16974,16 +16953,12 @@
           <a:p>
             <a:pPr algn="ctr"/>
             <a:r>
-              <a:rPr lang="fr-FR" sz="4800" b="1" dirty="0" smtClean="0">
+              <a:rPr lang="fr-FR" sz="4800" b="1" dirty="0">
                 <a:latin typeface="Calibri" pitchFamily="34" charset="0"/>
                 <a:cs typeface="Calibri" pitchFamily="34" charset="0"/>
               </a:rPr>
               <a:t>&lt; POINT DE DEVELOPPEMENT /&gt;</a:t>
             </a:r>
-            <a:endParaRPr lang="fr-FR" sz="4800" b="1" dirty="0">
-              <a:latin typeface="Calibri" pitchFamily="34" charset="0"/>
-              <a:cs typeface="Calibri" pitchFamily="34" charset="0"/>
-            </a:endParaRPr>
           </a:p>
         </p:txBody>
       </p:sp>
@@ -16997,13 +16972,6 @@
   <p:clrMapOvr>
     <a:masterClrMapping/>
   </p:clrMapOvr>
-  <p:timing>
-    <p:tnLst>
-      <p:par>
-        <p:cTn id="1" dur="indefinite" restart="never" nodeType="tmRoot"/>
-      </p:par>
-    </p:tnLst>
-  </p:timing>
 </p:sld>
 </file>
 
@@ -17100,7 +17068,7 @@
           <a:lstStyle/>
           <a:p>
             <a:r>
-              <a:rPr lang="fr-FR" sz="1800" dirty="0" smtClean="0">
+              <a:rPr lang="fr-FR" sz="1800" dirty="0">
                 <a:solidFill>
                   <a:schemeClr val="bg1"/>
                 </a:solidFill>
@@ -17150,7 +17118,7 @@
               <a:buNone/>
             </a:pPr>
             <a:r>
-              <a:rPr lang="fr-FR" sz="4800" b="1" dirty="0" smtClean="0">
+              <a:rPr lang="fr-FR" sz="4800" b="1" dirty="0">
                 <a:solidFill>
                   <a:schemeClr val="dk1"/>
                 </a:solidFill>
@@ -17159,19 +17127,7 @@
                 <a:cs typeface="Calibri"/>
                 <a:sym typeface="Calibri"/>
               </a:rPr>
-              <a:t>RECETTE </a:t>
-            </a:r>
-            <a:r>
-              <a:rPr lang="fr-FR" sz="4800" b="1" dirty="0" smtClean="0">
-                <a:solidFill>
-                  <a:schemeClr val="dk1"/>
-                </a:solidFill>
-                <a:latin typeface="Calibri"/>
-                <a:ea typeface="Calibri"/>
-                <a:cs typeface="Calibri"/>
-                <a:sym typeface="Calibri"/>
-              </a:rPr>
-              <a:t>FONCTIONNELLE</a:t>
+              <a:t>RECETTE FONCTIONNELLE</a:t>
             </a:r>
             <a:endParaRPr dirty="0"/>
           </a:p>
@@ -17204,7 +17160,7 @@
               <a:buChar char="•"/>
             </a:pPr>
             <a:r>
-              <a:rPr lang="fr-FR" sz="2400" dirty="0" smtClean="0">
+              <a:rPr lang="fr-FR" sz="2400" dirty="0">
                 <a:solidFill>
                   <a:srgbClr val="002060"/>
                 </a:solidFill>
@@ -17218,18 +17174,13 @@
               <a:buChar char="•"/>
             </a:pPr>
             <a:r>
-              <a:rPr lang="fr-FR" sz="2400" dirty="0" smtClean="0">
+              <a:rPr lang="fr-FR" sz="2400" dirty="0">
                 <a:solidFill>
                   <a:srgbClr val="002060"/>
                 </a:solidFill>
               </a:rPr>
               <a:t>Consulter ses réponses via le lien fourni après le sondage</a:t>
             </a:r>
-            <a:endParaRPr lang="fr-FR" sz="2400" dirty="0">
-              <a:solidFill>
-                <a:srgbClr val="002060"/>
-              </a:solidFill>
-            </a:endParaRPr>
           </a:p>
         </p:txBody>
       </p:sp>
@@ -17256,18 +17207,13 @@
           <a:lstStyle/>
           <a:p>
             <a:r>
-              <a:rPr lang="fr-FR" sz="2000" dirty="0" smtClean="0">
+              <a:rPr lang="fr-FR" sz="2000" dirty="0">
                 <a:solidFill>
                   <a:srgbClr val="002060"/>
                 </a:solidFill>
               </a:rPr>
               <a:t>Le client : </a:t>
             </a:r>
-            <a:endParaRPr lang="fr-FR" sz="2000" dirty="0">
-              <a:solidFill>
-                <a:srgbClr val="002060"/>
-              </a:solidFill>
-            </a:endParaRPr>
           </a:p>
         </p:txBody>
       </p:sp>
@@ -17294,7 +17240,7 @@
           <a:lstStyle/>
           <a:p>
             <a:r>
-              <a:rPr lang="fr-FR" sz="2000" dirty="0" smtClean="0">
+              <a:rPr lang="fr-FR" sz="2000" dirty="0">
                 <a:solidFill>
                   <a:srgbClr val="002060"/>
                 </a:solidFill>
@@ -17303,13 +17249,6 @@
               </a:rPr>
               <a:t>L’administrateur : </a:t>
             </a:r>
-            <a:endParaRPr lang="fr-FR" sz="2000" dirty="0">
-              <a:solidFill>
-                <a:srgbClr val="002060"/>
-              </a:solidFill>
-              <a:latin typeface="Calibri" pitchFamily="34" charset="0"/>
-              <a:cs typeface="Calibri" pitchFamily="34" charset="0"/>
-            </a:endParaRPr>
           </a:p>
         </p:txBody>
       </p:sp>
@@ -17340,7 +17279,7 @@
               <a:buChar char="•"/>
             </a:pPr>
             <a:r>
-              <a:rPr lang="fr-FR" sz="2400" dirty="0" smtClean="0">
+              <a:rPr lang="fr-FR" sz="2400" dirty="0">
                 <a:solidFill>
                   <a:srgbClr val="002060"/>
                 </a:solidFill>
@@ -17354,7 +17293,7 @@
               <a:buChar char="•"/>
             </a:pPr>
             <a:r>
-              <a:rPr lang="fr-FR" sz="2400" dirty="0" smtClean="0">
+              <a:rPr lang="fr-FR" sz="2400" dirty="0">
                 <a:solidFill>
                   <a:srgbClr val="002060"/>
                 </a:solidFill>
@@ -17368,7 +17307,7 @@
               <a:buChar char="•"/>
             </a:pPr>
             <a:r>
-              <a:rPr lang="fr-FR" sz="2400" dirty="0" smtClean="0">
+              <a:rPr lang="fr-FR" sz="2400" dirty="0">
                 <a:solidFill>
                   <a:srgbClr val="002060"/>
                 </a:solidFill>
@@ -17382,18 +17321,13 @@
               <a:buChar char="•"/>
             </a:pPr>
             <a:r>
-              <a:rPr lang="fr-FR" sz="2400" dirty="0" smtClean="0">
+              <a:rPr lang="fr-FR" sz="2400" dirty="0">
                 <a:solidFill>
                   <a:srgbClr val="002060"/>
                 </a:solidFill>
               </a:rPr>
               <a:t>Avoir les réponses de tous les participants</a:t>
             </a:r>
-            <a:endParaRPr lang="fr-FR" sz="2400" dirty="0">
-              <a:solidFill>
-                <a:srgbClr val="002060"/>
-              </a:solidFill>
-            </a:endParaRPr>
           </a:p>
         </p:txBody>
       </p:sp>
@@ -18557,13 +18491,6 @@
   <p:clrMapOvr>
     <a:masterClrMapping/>
   </p:clrMapOvr>
-  <p:timing>
-    <p:tnLst>
-      <p:par>
-        <p:cTn id="1" dur="indefinite" restart="never" nodeType="tmRoot"/>
-      </p:par>
-    </p:tnLst>
-  </p:timing>
 </p:sld>
 </file>
 
@@ -18660,7 +18587,7 @@
           <a:lstStyle/>
           <a:p>
             <a:r>
-              <a:rPr lang="fr-FR" sz="1800" dirty="0" smtClean="0">
+              <a:rPr lang="fr-FR" sz="1800" dirty="0">
                 <a:solidFill>
                   <a:schemeClr val="bg1"/>
                 </a:solidFill>
@@ -18710,7 +18637,7 @@
               <a:buNone/>
             </a:pPr>
             <a:r>
-              <a:rPr lang="fr-FR" sz="4800" b="1" dirty="0" smtClean="0">
+              <a:rPr lang="fr-FR" sz="4800" b="1" dirty="0">
                 <a:solidFill>
                   <a:schemeClr val="dk1"/>
                 </a:solidFill>
@@ -18748,7 +18675,7 @@
           <a:lstStyle/>
           <a:p>
             <a:r>
-              <a:rPr lang="fr-FR" sz="2800" dirty="0" smtClean="0">
+              <a:rPr lang="fr-FR" sz="2800" dirty="0">
                 <a:solidFill>
                   <a:srgbClr val="002060"/>
                 </a:solidFill>
@@ -18758,7 +18685,7 @@
               <a:t>L’administrateur pourra </a:t>
             </a:r>
             <a:r>
-              <a:rPr lang="fr-FR" sz="2000" dirty="0" smtClean="0">
+              <a:rPr lang="fr-FR" sz="2000" dirty="0">
                 <a:solidFill>
                   <a:srgbClr val="002060"/>
                 </a:solidFill>
@@ -18767,13 +18694,6 @@
               </a:rPr>
               <a:t>: </a:t>
             </a:r>
-            <a:endParaRPr lang="fr-FR" sz="2000" dirty="0">
-              <a:solidFill>
-                <a:srgbClr val="002060"/>
-              </a:solidFill>
-              <a:latin typeface="Calibri" pitchFamily="34" charset="0"/>
-              <a:cs typeface="Calibri" pitchFamily="34" charset="0"/>
-            </a:endParaRPr>
           </a:p>
         </p:txBody>
       </p:sp>
@@ -18804,7 +18724,7 @@
               <a:buChar char="•"/>
             </a:pPr>
             <a:r>
-              <a:rPr lang="fr-FR" sz="2400" dirty="0" smtClean="0">
+              <a:rPr lang="fr-FR" sz="2400" dirty="0">
                 <a:solidFill>
                   <a:srgbClr val="002060"/>
                 </a:solidFill>
@@ -18818,7 +18738,7 @@
               <a:buChar char="•"/>
             </a:pPr>
             <a:r>
-              <a:rPr lang="fr-FR" sz="2400" dirty="0" smtClean="0">
+              <a:rPr lang="fr-FR" sz="2400" dirty="0">
                 <a:solidFill>
                   <a:srgbClr val="002060"/>
                 </a:solidFill>
@@ -18832,7 +18752,7 @@
               <a:buChar char="•"/>
             </a:pPr>
             <a:r>
-              <a:rPr lang="fr-FR" sz="2400" dirty="0" smtClean="0">
+              <a:rPr lang="fr-FR" sz="2400" dirty="0">
                 <a:solidFill>
                   <a:srgbClr val="002060"/>
                 </a:solidFill>
@@ -18876,7 +18796,7 @@
           <a:lstStyle/>
           <a:p>
             <a:r>
-              <a:rPr lang="fr-FR" sz="2800" dirty="0" smtClean="0">
+              <a:rPr lang="fr-FR" sz="2800" dirty="0">
                 <a:solidFill>
                   <a:srgbClr val="002060"/>
                 </a:solidFill>
@@ -18885,13 +18805,6 @@
               </a:rPr>
               <a:t>Le client pourra : </a:t>
             </a:r>
-            <a:endParaRPr lang="fr-FR" sz="2800" dirty="0">
-              <a:solidFill>
-                <a:srgbClr val="002060"/>
-              </a:solidFill>
-              <a:latin typeface="Calibri" pitchFamily="34" charset="0"/>
-              <a:cs typeface="Calibri" pitchFamily="34" charset="0"/>
-            </a:endParaRPr>
           </a:p>
         </p:txBody>
       </p:sp>
@@ -18922,7 +18835,7 @@
               <a:buChar char="•"/>
             </a:pPr>
             <a:r>
-              <a:rPr lang="fr-FR" sz="2400" dirty="0" smtClean="0">
+              <a:rPr lang="fr-FR" sz="2400" dirty="0">
                 <a:solidFill>
                   <a:srgbClr val="002060"/>
                 </a:solidFill>
@@ -19185,13 +19098,6 @@
   <p:clrMapOvr>
     <a:masterClrMapping/>
   </p:clrMapOvr>
-  <p:timing>
-    <p:tnLst>
-      <p:par>
-        <p:cTn id="1" dur="indefinite" restart="never" nodeType="tmRoot"/>
-      </p:par>
-    </p:tnLst>
-  </p:timing>
 </p:sld>
 </file>
 
@@ -19284,7 +19190,7 @@
           <a:p>
             <a:pPr algn="ctr"/>
             <a:r>
-              <a:rPr lang="fr-FR" sz="4400" dirty="0" smtClean="0">
+              <a:rPr lang="fr-FR" sz="4400" dirty="0">
                 <a:latin typeface="Arial Rounded MT Bold" pitchFamily="34" charset="0"/>
               </a:rPr>
               <a:t>MERCI POUR VOTRE ATTENTION</a:t>
@@ -19298,7 +19204,7 @@
           </a:p>
           <a:p>
             <a:pPr algn="ctr"/>
-            <a:endParaRPr lang="fr-FR" dirty="0" smtClean="0"/>
+            <a:endParaRPr lang="fr-FR" dirty="0"/>
           </a:p>
           <a:p>
             <a:pPr algn="ctr"/>
@@ -19307,14 +19213,11 @@
           <a:p>
             <a:pPr algn="ctr"/>
             <a:r>
-              <a:rPr lang="fr-FR" sz="4000" dirty="0" smtClean="0">
+              <a:rPr lang="fr-FR" sz="4000" dirty="0">
                 <a:latin typeface="Berlin Sans FB" pitchFamily="34" charset="0"/>
               </a:rPr>
               <a:t>AVEZ-VOUS DES QUESTIONS ?</a:t>
             </a:r>
-            <a:endParaRPr lang="fr-FR" sz="4000" dirty="0">
-              <a:latin typeface="Berlin Sans FB" pitchFamily="34" charset="0"/>
-            </a:endParaRPr>
           </a:p>
         </p:txBody>
       </p:sp>
@@ -19358,13 +19261,6 @@
   <p:clrMapOvr>
     <a:masterClrMapping/>
   </p:clrMapOvr>
-  <p:timing>
-    <p:tnLst>
-      <p:par>
-        <p:cTn id="1" dur="indefinite" restart="never" nodeType="tmRoot"/>
-      </p:par>
-    </p:tnLst>
-  </p:timing>
 </p:sld>
 </file>
 
@@ -19420,13 +19316,6 @@
   <p:clrMapOvr>
     <a:masterClrMapping/>
   </p:clrMapOvr>
-  <p:timing>
-    <p:tnLst>
-      <p:par>
-        <p:cTn id="1" dur="indefinite" restart="never" nodeType="tmRoot"/>
-      </p:par>
-    </p:tnLst>
-  </p:timing>
 </p:sld>
 </file>
 
@@ -19602,15 +19491,18 @@
           <a:p>
             <a:pPr algn="just"/>
             <a:r>
-              <a:rPr lang="fr-FR" sz="3200" dirty="0" smtClean="0">
+              <a:rPr lang="fr-FR" sz="3200" dirty="0">
                 <a:solidFill>
                   <a:srgbClr val="002060"/>
                 </a:solidFill>
                 <a:latin typeface="Bahnschrift SemiBold" pitchFamily="34" charset="0"/>
                 <a:cs typeface="Calibri" pitchFamily="34" charset="0"/>
               </a:rPr>
-              <a:t>Afin de préparer une </a:t>
+              <a:t>Afin de préparer une application toujours plus facile à utiliser, </a:t>
             </a:r>
+          </a:p>
+          <a:p>
+            <a:pPr algn="just"/>
             <a:r>
               <a:rPr lang="fr-FR" sz="3200" dirty="0">
                 <a:solidFill>
@@ -19619,55 +19511,8 @@
                 <a:latin typeface="Bahnschrift SemiBold" pitchFamily="34" charset="0"/>
                 <a:cs typeface="Calibri" pitchFamily="34" charset="0"/>
               </a:rPr>
-              <a:t>application toujours plus facile à utiliser, </a:t>
+              <a:t>seul ou en famille, comment pouvons faire pour avoir des retours utilisateurs sur l’intéressement à nos différentes plateformes ?</a:t>
             </a:r>
-            <a:endParaRPr lang="fr-FR" sz="3200" dirty="0" smtClean="0">
-              <a:solidFill>
-                <a:srgbClr val="002060"/>
-              </a:solidFill>
-              <a:latin typeface="Bahnschrift SemiBold" pitchFamily="34" charset="0"/>
-              <a:cs typeface="Calibri" pitchFamily="34" charset="0"/>
-            </a:endParaRPr>
-          </a:p>
-          <a:p>
-            <a:pPr algn="just"/>
-            <a:r>
-              <a:rPr lang="fr-FR" sz="3200" dirty="0" smtClean="0">
-                <a:solidFill>
-                  <a:srgbClr val="002060"/>
-                </a:solidFill>
-                <a:latin typeface="Bahnschrift SemiBold" pitchFamily="34" charset="0"/>
-                <a:cs typeface="Calibri" pitchFamily="34" charset="0"/>
-              </a:rPr>
-              <a:t>seul </a:t>
-            </a:r>
-            <a:r>
-              <a:rPr lang="fr-FR" sz="3200" dirty="0">
-                <a:solidFill>
-                  <a:srgbClr val="002060"/>
-                </a:solidFill>
-                <a:latin typeface="Bahnschrift SemiBold" pitchFamily="34" charset="0"/>
-                <a:cs typeface="Calibri" pitchFamily="34" charset="0"/>
-              </a:rPr>
-              <a:t>ou en </a:t>
-            </a:r>
-            <a:r>
-              <a:rPr lang="fr-FR" sz="3200" dirty="0" smtClean="0">
-                <a:solidFill>
-                  <a:srgbClr val="002060"/>
-                </a:solidFill>
-                <a:latin typeface="Bahnschrift SemiBold" pitchFamily="34" charset="0"/>
-                <a:cs typeface="Calibri" pitchFamily="34" charset="0"/>
-              </a:rPr>
-              <a:t>famille, comment pouvons faire pour avoir des retours utilisateurs sur l’intéressement à nos différentes plateformes ?</a:t>
-            </a:r>
-            <a:endParaRPr lang="fr-FR" sz="3200" dirty="0">
-              <a:solidFill>
-                <a:srgbClr val="002060"/>
-              </a:solidFill>
-              <a:latin typeface="Bahnschrift SemiBold" pitchFamily="34" charset="0"/>
-              <a:cs typeface="Calibri" pitchFamily="34" charset="0"/>
-            </a:endParaRPr>
           </a:p>
         </p:txBody>
       </p:sp>
@@ -19715,7 +19560,7 @@
           <a:lstStyle/>
           <a:p>
             <a:r>
-              <a:rPr lang="fr-FR" sz="1800" dirty="0" smtClean="0">
+              <a:rPr lang="fr-FR" sz="1800" dirty="0">
                 <a:solidFill>
                   <a:schemeClr val="bg1"/>
                 </a:solidFill>
@@ -19735,13 +19580,6 @@
   <p:clrMapOvr>
     <a:masterClrMapping/>
   </p:clrMapOvr>
-  <p:timing>
-    <p:tnLst>
-      <p:par>
-        <p:cTn id="1" dur="indefinite" restart="never" nodeType="tmRoot"/>
-      </p:par>
-    </p:tnLst>
-  </p:timing>
 </p:sld>
 </file>
 
@@ -19907,7 +19745,7 @@
           <a:p>
             <a:pPr algn="ctr"/>
             <a:r>
-              <a:rPr lang="fr-FR" sz="1800" dirty="0" smtClean="0">
+              <a:rPr lang="fr-FR" sz="1800" dirty="0">
                 <a:solidFill>
                   <a:schemeClr val="bg1"/>
                 </a:solidFill>
@@ -19985,7 +19823,7 @@
           <a:lstStyle/>
           <a:p>
             <a:r>
-              <a:rPr lang="fr-FR" sz="8800" dirty="0" smtClean="0">
+              <a:rPr lang="fr-FR" sz="8800" dirty="0">
                 <a:solidFill>
                   <a:srgbClr val="7030A0"/>
                 </a:solidFill>
@@ -19995,7 +19833,7 @@
               <a:t>BIGSCREEN</a:t>
             </a:r>
             <a:r>
-              <a:rPr lang="fr-FR" sz="2000" dirty="0" smtClean="0">
+              <a:rPr lang="fr-FR" sz="2000" dirty="0">
                 <a:solidFill>
                   <a:srgbClr val="7030A0"/>
                 </a:solidFill>
@@ -20004,7 +19842,7 @@
               </a:rPr>
               <a:t> </a:t>
             </a:r>
-            <a:endParaRPr lang="fr-FR" dirty="0" smtClean="0">
+            <a:endParaRPr lang="fr-FR" dirty="0">
               <a:solidFill>
                 <a:srgbClr val="7030A0"/>
               </a:solidFill>
@@ -20014,7 +19852,7 @@
           </a:p>
           <a:p>
             <a:r>
-              <a:rPr lang="fr-FR" sz="2400" dirty="0" smtClean="0">
+              <a:rPr lang="fr-FR" sz="2400" dirty="0">
                 <a:solidFill>
                   <a:srgbClr val="7030A0"/>
                 </a:solidFill>
@@ -20023,13 +19861,6 @@
               </a:rPr>
               <a:t>Plateforme de sondage en ligne</a:t>
             </a:r>
-            <a:endParaRPr lang="fr-FR" sz="2400" dirty="0">
-              <a:solidFill>
-                <a:srgbClr val="7030A0"/>
-              </a:solidFill>
-              <a:latin typeface="Bahnschrift SemiBold" pitchFamily="34" charset="0"/>
-              <a:cs typeface="Calibri" pitchFamily="34" charset="0"/>
-            </a:endParaRPr>
           </a:p>
         </p:txBody>
       </p:sp>
@@ -20043,13 +19874,6 @@
   <p:clrMapOvr>
     <a:masterClrMapping/>
   </p:clrMapOvr>
-  <p:timing>
-    <p:tnLst>
-      <p:par>
-        <p:cTn id="1" dur="indefinite" restart="never" nodeType="tmRoot"/>
-      </p:par>
-    </p:tnLst>
-  </p:timing>
 </p:sld>
 </file>
 
@@ -20189,13 +20013,6 @@
   <p:clrMapOvr>
     <a:masterClrMapping/>
   </p:clrMapOvr>
-  <p:timing>
-    <p:tnLst>
-      <p:par>
-        <p:cTn id="1" dur="indefinite" restart="never" nodeType="tmRoot"/>
-      </p:par>
-    </p:tnLst>
-  </p:timing>
 </p:sld>
 </file>
 
@@ -20324,7 +20141,7 @@
               <a:buNone/>
             </a:pPr>
             <a:r>
-              <a:rPr lang="fr-FR" sz="4800" b="1" dirty="0" smtClean="0">
+              <a:rPr lang="fr-FR" sz="4800" b="1" dirty="0">
                 <a:solidFill>
                   <a:schemeClr val="dk1"/>
                 </a:solidFill>
@@ -20431,7 +20248,7 @@
           <a:p>
             <a:pPr algn="ctr"/>
             <a:r>
-              <a:rPr lang="fr-FR" sz="1800" dirty="0" smtClean="0">
+              <a:rPr lang="fr-FR" sz="1800" dirty="0">
                 <a:solidFill>
                   <a:schemeClr val="bg1"/>
                 </a:solidFill>
@@ -20510,10 +20327,9 @@
           <a:lstStyle/>
           <a:p>
             <a:r>
-              <a:rPr lang="fr-FR" sz="2400" dirty="0" smtClean="0"/>
+              <a:rPr lang="fr-FR" sz="2400" dirty="0"/>
               <a:t>Un client doit pouvoir répondre au sondage</a:t>
             </a:r>
-            <a:endParaRPr lang="fr-FR" sz="2400" dirty="0"/>
           </a:p>
         </p:txBody>
       </p:sp>
@@ -20540,10 +20356,9 @@
           <a:lstStyle/>
           <a:p>
             <a:r>
-              <a:rPr lang="fr-FR" sz="2400" dirty="0" smtClean="0"/>
+              <a:rPr lang="fr-FR" sz="2400" dirty="0"/>
               <a:t>Un client doit pouvoir lister toutes ses réponses</a:t>
             </a:r>
-            <a:endParaRPr lang="fr-FR" sz="2400" dirty="0"/>
           </a:p>
         </p:txBody>
       </p:sp>
@@ -20611,10 +20426,9 @@
           <a:lstStyle/>
           <a:p>
             <a:r>
-              <a:rPr lang="fr-FR" sz="2400" dirty="0" smtClean="0"/>
+              <a:rPr lang="fr-FR" sz="2400" dirty="0"/>
               <a:t>Un administrateur doit pouvoir lister toutes les réponses</a:t>
             </a:r>
-            <a:endParaRPr lang="fr-FR" sz="2400" dirty="0"/>
           </a:p>
         </p:txBody>
       </p:sp>
@@ -20664,13 +20478,6 @@
   <p:clrMapOvr>
     <a:masterClrMapping/>
   </p:clrMapOvr>
-  <p:timing>
-    <p:tnLst>
-      <p:par>
-        <p:cTn id="1" dur="indefinite" restart="never" nodeType="tmRoot"/>
-      </p:par>
-    </p:tnLst>
-  </p:timing>
 </p:sld>
 </file>
 
@@ -20888,7 +20695,7 @@
           <a:lstStyle/>
           <a:p>
             <a:r>
-              <a:rPr lang="fr-FR" sz="1800" dirty="0" smtClean="0">
+              <a:rPr lang="fr-FR" sz="1800" dirty="0">
                 <a:solidFill>
                   <a:schemeClr val="bg1"/>
                 </a:solidFill>
@@ -20908,13 +20715,6 @@
   <p:clrMapOvr>
     <a:masterClrMapping/>
   </p:clrMapOvr>
-  <p:timing>
-    <p:tnLst>
-      <p:par>
-        <p:cTn id="1" dur="indefinite" restart="never" nodeType="tmRoot"/>
-      </p:par>
-    </p:tnLst>
-  </p:timing>
 </p:sld>
 </file>
 
@@ -20981,7 +20781,7 @@
               <a:buNone/>
             </a:pPr>
             <a:r>
-              <a:rPr lang="fr-FR" sz="4800" b="1" u="sng" dirty="0" smtClean="0"/>
+              <a:rPr lang="fr-FR" sz="4800" b="1" u="sng" dirty="0"/>
               <a:t>Diagramme de cas d’utilisation</a:t>
             </a:r>
             <a:endParaRPr u="sng" dirty="0"/>
@@ -21146,7 +20946,7 @@
           <a:lstStyle/>
           <a:p>
             <a:r>
-              <a:rPr lang="fr-FR" sz="1800" dirty="0" smtClean="0">
+              <a:rPr lang="fr-FR" sz="1800" dirty="0">
                 <a:solidFill>
                   <a:schemeClr val="bg1"/>
                 </a:solidFill>
@@ -21171,13 +20971,6 @@
   <p:clrMapOvr>
     <a:masterClrMapping/>
   </p:clrMapOvr>
-  <p:timing>
-    <p:tnLst>
-      <p:par>
-        <p:cTn id="1" dur="indefinite" restart="never" nodeType="tmRoot"/>
-      </p:par>
-    </p:tnLst>
-  </p:timing>
 </p:sld>
 </file>
 
